--- a/powerpoints/slides5.pptx
+++ b/powerpoints/slides5.pptx
@@ -2,10 +2,10 @@
 <file path=ppt/presentation.xml><?xml version="1.0" encoding="utf-8"?>
 <p:presentation xmlns:a="http://schemas.openxmlformats.org/drawingml/2006/main" xmlns:r="http://schemas.openxmlformats.org/officeDocument/2006/relationships" xmlns:p="http://schemas.openxmlformats.org/presentationml/2006/main" saveSubsetFonts="1" autoCompressPictures="0">
   <p:sldMasterIdLst>
-    <p:sldMasterId id="2147483668" r:id="rId1"/>
+    <p:sldMasterId id="2147483696" r:id="rId1"/>
   </p:sldMasterIdLst>
   <p:sldIdLst>
-    <p:sldId id="264" r:id="rId2"/>
+    <p:sldId id="267" r:id="rId2"/>
     <p:sldId id="265" r:id="rId3"/>
   </p:sldIdLst>
   <p:sldSz cx="12192000" cy="6858000"/>
@@ -113,7 +113,7 @@
         </p14:section>
         <p14:section name="Your Presentation" id="{A8D7B0BD-02B5-F641-8106-1F81A10ED379}">
           <p14:sldIdLst>
-            <p14:sldId id="264"/>
+            <p14:sldId id="267"/>
             <p14:sldId id="265"/>
           </p14:sldIdLst>
         </p14:section>
@@ -127,7 +127,7 @@
 </file>
 
 <file path=ppt/slideLayouts/slideLayout1.xml><?xml version="1.0" encoding="utf-8"?>
-<p:sldLayout xmlns:a="http://schemas.openxmlformats.org/drawingml/2006/main" xmlns:r="http://schemas.openxmlformats.org/officeDocument/2006/relationships" xmlns:p="http://schemas.openxmlformats.org/presentationml/2006/main" showMasterSp="0" type="title" preserve="1">
+<p:sldLayout xmlns:a="http://schemas.openxmlformats.org/drawingml/2006/main" xmlns:r="http://schemas.openxmlformats.org/officeDocument/2006/relationships" xmlns:p="http://schemas.openxmlformats.org/presentationml/2006/main" type="title" preserve="1">
   <p:cSld name="Title Slide">
     <p:spTree>
       <p:nvGrpSpPr>
@@ -171,6 +171,7 @@
               <a:rPr lang="en-US"/>
               <a:t>Click to edit Master title style</a:t>
             </a:r>
+            <a:endParaRPr lang="en-US" dirty="0"/>
           </a:p>
         </p:txBody>
       </p:sp>
@@ -235,12 +236,84 @@
               <a:rPr lang="en-US"/>
               <a:t>Click to edit Master subtitle style</a:t>
             </a:r>
+            <a:endParaRPr lang="en-US" dirty="0"/>
+          </a:p>
+        </p:txBody>
+      </p:sp>
+      <p:sp>
+        <p:nvSpPr>
+          <p:cNvPr id="4" name="Date Placeholder 3"/>
+          <p:cNvSpPr>
+            <a:spLocks noGrp="1"/>
+          </p:cNvSpPr>
+          <p:nvPr>
+            <p:ph type="dt" sz="half" idx="10"/>
+          </p:nvPr>
+        </p:nvSpPr>
+        <p:spPr/>
+        <p:txBody>
+          <a:bodyPr/>
+          <a:lstStyle/>
+          <a:p>
+            <a:fld id="{C764DE79-268F-4C1A-8933-263129D2AF90}" type="datetimeFigureOut">
+              <a:rPr lang="en-US" smtClean="0"/>
+              <a:t>4/24/2019</a:t>
+            </a:fld>
+            <a:endParaRPr lang="en-US" dirty="0"/>
+          </a:p>
+        </p:txBody>
+      </p:sp>
+      <p:sp>
+        <p:nvSpPr>
+          <p:cNvPr id="5" name="Footer Placeholder 4"/>
+          <p:cNvSpPr>
+            <a:spLocks noGrp="1"/>
+          </p:cNvSpPr>
+          <p:nvPr>
+            <p:ph type="ftr" sz="quarter" idx="11"/>
+          </p:nvPr>
+        </p:nvSpPr>
+        <p:spPr/>
+        <p:txBody>
+          <a:bodyPr/>
+          <a:lstStyle/>
+          <a:p>
+            <a:endParaRPr lang="en-US" dirty="0"/>
+          </a:p>
+        </p:txBody>
+      </p:sp>
+      <p:sp>
+        <p:nvSpPr>
+          <p:cNvPr id="6" name="Slide Number Placeholder 5"/>
+          <p:cNvSpPr>
+            <a:spLocks noGrp="1"/>
+          </p:cNvSpPr>
+          <p:nvPr>
+            <p:ph type="sldNum" sz="quarter" idx="12"/>
+          </p:nvPr>
+        </p:nvSpPr>
+        <p:spPr/>
+        <p:txBody>
+          <a:bodyPr/>
+          <a:lstStyle/>
+          <a:p>
+            <a:fld id="{48F63A3B-78C7-47BE-AE5E-E10140E04643}" type="slidenum">
+              <a:rPr lang="en-US" smtClean="0"/>
+              <a:t>‹#›</a:t>
+            </a:fld>
+            <a:endParaRPr lang="en-US" dirty="0"/>
           </a:p>
         </p:txBody>
       </p:sp>
       <p:pic>
         <p:nvPicPr>
-          <p:cNvPr id="7" name="Picture 6"/>
+          <p:cNvPr id="7" name="Picture 6">
+            <a:extLst>
+              <a:ext uri="{FF2B5EF4-FFF2-40B4-BE49-F238E27FC236}">
+                <a16:creationId xmlns:a16="http://schemas.microsoft.com/office/drawing/2014/main" id="{84EAD86D-F98C-8C46-8113-F38408D59A05}"/>
+              </a:ext>
+            </a:extLst>
+          </p:cNvPr>
           <p:cNvPicPr>
             <a:picLocks noChangeAspect="1"/>
           </p:cNvPicPr>
@@ -270,7 +343,13 @@
       </p:pic>
       <p:pic>
         <p:nvPicPr>
-          <p:cNvPr id="8" name="Picture 7"/>
+          <p:cNvPr id="8" name="Picture 7">
+            <a:extLst>
+              <a:ext uri="{FF2B5EF4-FFF2-40B4-BE49-F238E27FC236}">
+                <a16:creationId xmlns:a16="http://schemas.microsoft.com/office/drawing/2014/main" id="{A7C29823-7322-F84D-B460-9D86BEB19F21}"/>
+              </a:ext>
+            </a:extLst>
+          </p:cNvPr>
           <p:cNvPicPr>
             <a:picLocks noChangeAspect="1"/>
           </p:cNvPicPr>
@@ -299,6 +378,11 @@
         </p:spPr>
       </p:pic>
     </p:spTree>
+    <p:extLst>
+      <p:ext uri="{BB962C8B-B14F-4D97-AF65-F5344CB8AC3E}">
+        <p14:creationId xmlns:p14="http://schemas.microsoft.com/office/powerpoint/2010/main" val="1915279719"/>
+      </p:ext>
+    </p:extLst>
   </p:cSld>
   <p:clrMapOvr>
     <a:masterClrMapping/>
@@ -307,8 +391,8 @@
 </file>
 
 <file path=ppt/slideLayouts/slideLayout10.xml><?xml version="1.0" encoding="utf-8"?>
-<p:sldLayout xmlns:a="http://schemas.openxmlformats.org/drawingml/2006/main" xmlns:r="http://schemas.openxmlformats.org/officeDocument/2006/relationships" xmlns:p="http://schemas.openxmlformats.org/presentationml/2006/main" preserve="1" userDrawn="1">
-  <p:cSld name="Custom Layout">
+<p:sldLayout xmlns:a="http://schemas.openxmlformats.org/drawingml/2006/main" xmlns:r="http://schemas.openxmlformats.org/officeDocument/2006/relationships" xmlns:p="http://schemas.openxmlformats.org/presentationml/2006/main" type="vertTx" preserve="1">
+  <p:cSld name="Title and Vertical Text">
     <p:spTree>
       <p:nvGrpSpPr>
         <p:cNvPr id="1" name=""/>
@@ -325,7 +409,82 @@
       </p:grpSpPr>
       <p:sp>
         <p:nvSpPr>
-          <p:cNvPr id="3" name="Date Placeholder 2"/>
+          <p:cNvPr id="2" name="Title 1"/>
+          <p:cNvSpPr>
+            <a:spLocks noGrp="1"/>
+          </p:cNvSpPr>
+          <p:nvPr>
+            <p:ph type="title"/>
+          </p:nvPr>
+        </p:nvSpPr>
+        <p:spPr/>
+        <p:txBody>
+          <a:bodyPr/>
+          <a:lstStyle/>
+          <a:p>
+            <a:r>
+              <a:rPr lang="en-US"/>
+              <a:t>Click to edit Master title style</a:t>
+            </a:r>
+            <a:endParaRPr lang="en-US" dirty="0"/>
+          </a:p>
+        </p:txBody>
+      </p:sp>
+      <p:sp>
+        <p:nvSpPr>
+          <p:cNvPr id="3" name="Vertical Text Placeholder 2"/>
+          <p:cNvSpPr>
+            <a:spLocks noGrp="1"/>
+          </p:cNvSpPr>
+          <p:nvPr>
+            <p:ph type="body" orient="vert" idx="1"/>
+          </p:nvPr>
+        </p:nvSpPr>
+        <p:spPr/>
+        <p:txBody>
+          <a:bodyPr vert="eaVert"/>
+          <a:lstStyle/>
+          <a:p>
+            <a:pPr lvl="0"/>
+            <a:r>
+              <a:rPr lang="en-US"/>
+              <a:t>Edit Master text styles</a:t>
+            </a:r>
+          </a:p>
+          <a:p>
+            <a:pPr lvl="1"/>
+            <a:r>
+              <a:rPr lang="en-US"/>
+              <a:t>Second level</a:t>
+            </a:r>
+          </a:p>
+          <a:p>
+            <a:pPr lvl="2"/>
+            <a:r>
+              <a:rPr lang="en-US"/>
+              <a:t>Third level</a:t>
+            </a:r>
+          </a:p>
+          <a:p>
+            <a:pPr lvl="3"/>
+            <a:r>
+              <a:rPr lang="en-US"/>
+              <a:t>Fourth level</a:t>
+            </a:r>
+          </a:p>
+          <a:p>
+            <a:pPr lvl="4"/>
+            <a:r>
+              <a:rPr lang="en-US"/>
+              <a:t>Fifth level</a:t>
+            </a:r>
+            <a:endParaRPr lang="en-US" dirty="0"/>
+          </a:p>
+        </p:txBody>
+      </p:sp>
+      <p:sp>
+        <p:nvSpPr>
+          <p:cNvPr id="4" name="Date Placeholder 3"/>
           <p:cNvSpPr>
             <a:spLocks noGrp="1"/>
           </p:cNvSpPr>
@@ -341,7 +500,7 @@
             <a:fld id="{B61BEF0D-F0BB-DE4B-95CE-6DB70DBA9567}" type="datetimeFigureOut">
               <a:rPr lang="en-US" smtClean="0"/>
               <a:pPr/>
-              <a:t>4/17/2019</a:t>
+              <a:t>4/24/2019</a:t>
             </a:fld>
             <a:endParaRPr lang="en-US" dirty="0"/>
           </a:p>
@@ -349,7 +508,7 @@
       </p:sp>
       <p:sp>
         <p:nvSpPr>
-          <p:cNvPr id="4" name="Footer Placeholder 3"/>
+          <p:cNvPr id="5" name="Footer Placeholder 4"/>
           <p:cNvSpPr>
             <a:spLocks noGrp="1"/>
           </p:cNvSpPr>
@@ -368,7 +527,7 @@
       </p:sp>
       <p:sp>
         <p:nvSpPr>
-          <p:cNvPr id="5" name="Slide Number Placeholder 4"/>
+          <p:cNvPr id="6" name="Slide Number Placeholder 5"/>
           <p:cNvSpPr>
             <a:spLocks noGrp="1"/>
           </p:cNvSpPr>
@@ -390,95 +549,10 @@
           </a:p>
         </p:txBody>
       </p:sp>
-      <p:sp>
-        <p:nvSpPr>
-          <p:cNvPr id="6" name="TextBox 5"/>
-          <p:cNvSpPr txBox="1"/>
-          <p:nvPr userDrawn="1"/>
-        </p:nvSpPr>
-        <p:spPr>
-          <a:xfrm>
-            <a:off x="1969477" y="1594338"/>
-            <a:ext cx="8768861" cy="1323439"/>
-          </a:xfrm>
-          <a:prstGeom prst="rect">
-            <a:avLst/>
-          </a:prstGeom>
-          <a:noFill/>
-        </p:spPr>
-        <p:txBody>
-          <a:bodyPr wrap="square" rtlCol="0">
-            <a:spAutoFit/>
-          </a:bodyPr>
-          <a:lstStyle/>
-          <a:p>
-            <a:r>
-              <a:rPr lang="en-US" sz="8000" b="1" dirty="0"/>
-              <a:t>DEMO</a:t>
-            </a:r>
-          </a:p>
-        </p:txBody>
-      </p:sp>
-      <p:sp>
-        <p:nvSpPr>
-          <p:cNvPr id="8" name="Content Placeholder 7"/>
-          <p:cNvSpPr>
-            <a:spLocks noGrp="1"/>
-          </p:cNvSpPr>
-          <p:nvPr>
-            <p:ph sz="quarter" idx="13"/>
-          </p:nvPr>
-        </p:nvSpPr>
-        <p:spPr>
-          <a:xfrm>
-            <a:off x="1969478" y="3141663"/>
-            <a:ext cx="8792186" cy="2039937"/>
-          </a:xfrm>
-        </p:spPr>
-        <p:txBody>
-          <a:bodyPr/>
-          <a:lstStyle/>
-          <a:p>
-            <a:pPr lvl="0"/>
-            <a:r>
-              <a:rPr lang="en-US"/>
-              <a:t>Click to edit Master text styles</a:t>
-            </a:r>
-          </a:p>
-          <a:p>
-            <a:pPr lvl="1"/>
-            <a:r>
-              <a:rPr lang="en-US"/>
-              <a:t>Second level</a:t>
-            </a:r>
-          </a:p>
-          <a:p>
-            <a:pPr lvl="2"/>
-            <a:r>
-              <a:rPr lang="en-US"/>
-              <a:t>Third level</a:t>
-            </a:r>
-          </a:p>
-          <a:p>
-            <a:pPr lvl="3"/>
-            <a:r>
-              <a:rPr lang="en-US"/>
-              <a:t>Fourth level</a:t>
-            </a:r>
-          </a:p>
-          <a:p>
-            <a:pPr lvl="4"/>
-            <a:r>
-              <a:rPr lang="en-US"/>
-              <a:t>Fifth level</a:t>
-            </a:r>
-          </a:p>
-        </p:txBody>
-      </p:sp>
     </p:spTree>
     <p:extLst>
       <p:ext uri="{BB962C8B-B14F-4D97-AF65-F5344CB8AC3E}">
-        <p14:creationId xmlns:p14="http://schemas.microsoft.com/office/powerpoint/2010/main" val="1178045238"/>
+        <p14:creationId xmlns:p14="http://schemas.microsoft.com/office/powerpoint/2010/main" val="1623483798"/>
       </p:ext>
     </p:extLst>
   </p:cSld>
@@ -489,8 +563,8 @@
 </file>
 
 <file path=ppt/slideLayouts/slideLayout11.xml><?xml version="1.0" encoding="utf-8"?>
-<p:sldLayout xmlns:a="http://schemas.openxmlformats.org/drawingml/2006/main" xmlns:r="http://schemas.openxmlformats.org/officeDocument/2006/relationships" xmlns:p="http://schemas.openxmlformats.org/presentationml/2006/main" showMasterSp="0" preserve="1" userDrawn="1">
-  <p:cSld name="1_Custom Layout">
+<p:sldLayout xmlns:a="http://schemas.openxmlformats.org/drawingml/2006/main" xmlns:r="http://schemas.openxmlformats.org/officeDocument/2006/relationships" xmlns:p="http://schemas.openxmlformats.org/presentationml/2006/main" type="vertTitleAndTx" preserve="1">
+  <p:cSld name="Vertical Title and Text">
     <p:spTree>
       <p:nvGrpSpPr>
         <p:cNvPr id="1" name=""/>
@@ -507,55 +581,56 @@
       </p:grpSpPr>
       <p:sp>
         <p:nvSpPr>
-          <p:cNvPr id="2" name="Title 1"/>
-          <p:cNvSpPr>
-            <a:spLocks noGrp="1"/>
-          </p:cNvSpPr>
-          <p:nvPr>
-            <p:ph type="title"/>
+          <p:cNvPr id="2" name="Vertical Title 1"/>
+          <p:cNvSpPr>
+            <a:spLocks noGrp="1"/>
+          </p:cNvSpPr>
+          <p:nvPr>
+            <p:ph type="title" orient="vert"/>
           </p:nvPr>
         </p:nvSpPr>
         <p:spPr>
           <a:xfrm>
-            <a:off x="2086708" y="365125"/>
-            <a:ext cx="9267092" cy="1325563"/>
+            <a:off x="8724900" y="365125"/>
+            <a:ext cx="2628900" cy="5811838"/>
           </a:xfrm>
         </p:spPr>
         <p:txBody>
-          <a:bodyPr/>
+          <a:bodyPr vert="eaVert"/>
           <a:lstStyle/>
           <a:p>
             <a:r>
               <a:rPr lang="en-US"/>
               <a:t>Click to edit Master title style</a:t>
             </a:r>
-          </a:p>
-        </p:txBody>
-      </p:sp>
-      <p:sp>
-        <p:nvSpPr>
-          <p:cNvPr id="7" name="Content Placeholder 6"/>
-          <p:cNvSpPr>
-            <a:spLocks noGrp="1"/>
-          </p:cNvSpPr>
-          <p:nvPr>
-            <p:ph sz="quarter" idx="13"/>
+            <a:endParaRPr lang="en-US" dirty="0"/>
+          </a:p>
+        </p:txBody>
+      </p:sp>
+      <p:sp>
+        <p:nvSpPr>
+          <p:cNvPr id="3" name="Vertical Text Placeholder 2"/>
+          <p:cNvSpPr>
+            <a:spLocks noGrp="1"/>
+          </p:cNvSpPr>
+          <p:nvPr>
+            <p:ph type="body" orient="vert" idx="1"/>
           </p:nvPr>
         </p:nvSpPr>
         <p:spPr>
           <a:xfrm>
-            <a:off x="2086708" y="1911350"/>
-            <a:ext cx="9267092" cy="3586163"/>
+            <a:off x="838200" y="365125"/>
+            <a:ext cx="7734300" cy="5811838"/>
           </a:xfrm>
         </p:spPr>
         <p:txBody>
-          <a:bodyPr/>
+          <a:bodyPr vert="eaVert"/>
           <a:lstStyle/>
           <a:p>
             <a:pPr lvl="0"/>
             <a:r>
               <a:rPr lang="en-US"/>
-              <a:t>Click to edit Master text styles</a:t>
+              <a:t>Edit Master text styles</a:t>
             </a:r>
           </a:p>
           <a:p>
@@ -585,64 +660,81 @@
               <a:rPr lang="en-US"/>
               <a:t>Fifth level</a:t>
             </a:r>
-          </a:p>
-        </p:txBody>
-      </p:sp>
-      <p:sp>
-        <p:nvSpPr>
-          <p:cNvPr id="8" name="Rectangle 7"/>
-          <p:cNvSpPr/>
-          <p:nvPr userDrawn="1"/>
-        </p:nvSpPr>
-        <p:spPr>
-          <a:xfrm>
-            <a:off x="0" y="0"/>
-            <a:ext cx="1688123" cy="6858000"/>
-          </a:xfrm>
-          <a:prstGeom prst="rect">
-            <a:avLst/>
-          </a:prstGeom>
-        </p:spPr>
-        <p:style>
-          <a:lnRef idx="2">
-            <a:schemeClr val="dk1">
-              <a:shade val="50000"/>
-            </a:schemeClr>
-          </a:lnRef>
-          <a:fillRef idx="1">
-            <a:schemeClr val="dk1"/>
-          </a:fillRef>
-          <a:effectRef idx="0">
-            <a:schemeClr val="dk1"/>
-          </a:effectRef>
-          <a:fontRef idx="minor">
-            <a:schemeClr val="lt1"/>
-          </a:fontRef>
-        </p:style>
-        <p:txBody>
-          <a:bodyPr vert="vert270" rtlCol="0" anchor="ctr"/>
-          <a:lstStyle/>
-          <a:p>
-            <a:pPr algn="ctr"/>
-            <a:r>
-              <a:rPr lang="en-US" sz="4400" dirty="0"/>
-              <a:t>DESIGN</a:t>
-            </a:r>
-            <a:r>
-              <a:rPr lang="en-US" sz="4400" baseline="0" dirty="0"/>
-              <a:t> </a:t>
-            </a:r>
-            <a:r>
-              <a:rPr lang="en-US" sz="4400" dirty="0"/>
-              <a:t>NOTES</a:t>
-            </a:r>
+            <a:endParaRPr lang="en-US" dirty="0"/>
+          </a:p>
+        </p:txBody>
+      </p:sp>
+      <p:sp>
+        <p:nvSpPr>
+          <p:cNvPr id="4" name="Date Placeholder 3"/>
+          <p:cNvSpPr>
+            <a:spLocks noGrp="1"/>
+          </p:cNvSpPr>
+          <p:nvPr>
+            <p:ph type="dt" sz="half" idx="10"/>
+          </p:nvPr>
+        </p:nvSpPr>
+        <p:spPr/>
+        <p:txBody>
+          <a:bodyPr/>
+          <a:lstStyle/>
+          <a:p>
+            <a:fld id="{B61BEF0D-F0BB-DE4B-95CE-6DB70DBA9567}" type="datetimeFigureOut">
+              <a:rPr lang="en-US" smtClean="0"/>
+              <a:pPr/>
+              <a:t>4/24/2019</a:t>
+            </a:fld>
+            <a:endParaRPr lang="en-US" dirty="0"/>
+          </a:p>
+        </p:txBody>
+      </p:sp>
+      <p:sp>
+        <p:nvSpPr>
+          <p:cNvPr id="5" name="Footer Placeholder 4"/>
+          <p:cNvSpPr>
+            <a:spLocks noGrp="1"/>
+          </p:cNvSpPr>
+          <p:nvPr>
+            <p:ph type="ftr" sz="quarter" idx="11"/>
+          </p:nvPr>
+        </p:nvSpPr>
+        <p:spPr/>
+        <p:txBody>
+          <a:bodyPr/>
+          <a:lstStyle/>
+          <a:p>
+            <a:endParaRPr lang="en-US" dirty="0"/>
+          </a:p>
+        </p:txBody>
+      </p:sp>
+      <p:sp>
+        <p:nvSpPr>
+          <p:cNvPr id="6" name="Slide Number Placeholder 5"/>
+          <p:cNvSpPr>
+            <a:spLocks noGrp="1"/>
+          </p:cNvSpPr>
+          <p:nvPr>
+            <p:ph type="sldNum" sz="quarter" idx="12"/>
+          </p:nvPr>
+        </p:nvSpPr>
+        <p:spPr/>
+        <p:txBody>
+          <a:bodyPr/>
+          <a:lstStyle/>
+          <a:p>
+            <a:fld id="{D57F1E4F-1CFF-5643-939E-217C01CDF565}" type="slidenum">
+              <a:rPr lang="en-US" smtClean="0"/>
+              <a:pPr/>
+              <a:t>‹#›</a:t>
+            </a:fld>
+            <a:endParaRPr lang="en-US" dirty="0"/>
           </a:p>
         </p:txBody>
       </p:sp>
     </p:spTree>
     <p:extLst>
       <p:ext uri="{BB962C8B-B14F-4D97-AF65-F5344CB8AC3E}">
-        <p14:creationId xmlns:p14="http://schemas.microsoft.com/office/powerpoint/2010/main" val="185405962"/>
+        <p14:creationId xmlns:p14="http://schemas.microsoft.com/office/powerpoint/2010/main" val="3051365304"/>
       </p:ext>
     </p:extLst>
   </p:cSld>
@@ -653,7 +745,7 @@
 </file>
 
 <file path=ppt/slideLayouts/slideLayout12.xml><?xml version="1.0" encoding="utf-8"?>
-<p:sldLayout xmlns:a="http://schemas.openxmlformats.org/drawingml/2006/main" xmlns:r="http://schemas.openxmlformats.org/officeDocument/2006/relationships" xmlns:p="http://schemas.openxmlformats.org/presentationml/2006/main" showMasterSp="0" preserve="1" userDrawn="1">
+<p:sldLayout xmlns:a="http://schemas.openxmlformats.org/drawingml/2006/main" xmlns:r="http://schemas.openxmlformats.org/officeDocument/2006/relationships" xmlns:p="http://schemas.openxmlformats.org/presentationml/2006/main" showMasterSp="0" userDrawn="1">
   <p:cSld name="2_Custom Layout">
     <p:spTree>
       <p:nvGrpSpPr>
@@ -712,7 +804,7 @@
         <p:spPr>
           <a:xfrm>
             <a:off x="644770" y="1373960"/>
-            <a:ext cx="8768861" cy="461665"/>
+            <a:ext cx="10228639" cy="461665"/>
           </a:xfrm>
           <a:prstGeom prst="rect">
             <a:avLst/>
@@ -727,15 +819,15 @@
           <a:p>
             <a:r>
               <a:rPr lang="en-US" sz="2400" b="0" dirty="0"/>
-              <a:t>Please use the event app or </a:t>
+              <a:t>Please use the event app to submit a session rating!		</a:t>
             </a:r>
             <a:r>
               <a:rPr lang="en-US" sz="2400" b="0" dirty="0" err="1"/>
-              <a:t>Sched.com</a:t>
+              <a:t>bit.ly</a:t>
             </a:r>
             <a:r>
               <a:rPr lang="en-US" sz="2400" b="0" dirty="0"/>
-              <a:t> to submit a session rating!</a:t>
+              <a:t>/summit2019app</a:t>
             </a:r>
           </a:p>
         </p:txBody>
@@ -803,7 +895,7 @@
     </p:spTree>
     <p:extLst>
       <p:ext uri="{BB962C8B-B14F-4D97-AF65-F5344CB8AC3E}">
-        <p14:creationId xmlns:p14="http://schemas.microsoft.com/office/powerpoint/2010/main" val="1449587867"/>
+        <p14:creationId xmlns:p14="http://schemas.microsoft.com/office/powerpoint/2010/main" val="348592958"/>
       </p:ext>
     </p:extLst>
   </p:cSld>
@@ -849,6 +941,7 @@
               <a:rPr lang="en-US"/>
               <a:t>Click to edit Master title style</a:t>
             </a:r>
+            <a:endParaRPr lang="en-US" dirty="0"/>
           </a:p>
         </p:txBody>
       </p:sp>
@@ -870,7 +963,7 @@
             <a:pPr lvl="0"/>
             <a:r>
               <a:rPr lang="en-US"/>
-              <a:t>Click to edit Master text styles</a:t>
+              <a:t>Edit Master text styles</a:t>
             </a:r>
           </a:p>
           <a:p>
@@ -900,6 +993,7 @@
               <a:rPr lang="en-US"/>
               <a:t>Fifth level</a:t>
             </a:r>
+            <a:endParaRPr lang="en-US" dirty="0"/>
           </a:p>
         </p:txBody>
       </p:sp>
@@ -921,7 +1015,7 @@
             <a:fld id="{B61BEF0D-F0BB-DE4B-95CE-6DB70DBA9567}" type="datetimeFigureOut">
               <a:rPr lang="en-US" smtClean="0"/>
               <a:pPr/>
-              <a:t>4/17/2019</a:t>
+              <a:t>4/24/2019</a:t>
             </a:fld>
             <a:endParaRPr lang="en-US" dirty="0"/>
           </a:p>
@@ -971,6 +1065,11 @@
         </p:txBody>
       </p:sp>
     </p:spTree>
+    <p:extLst>
+      <p:ext uri="{BB962C8B-B14F-4D97-AF65-F5344CB8AC3E}">
+        <p14:creationId xmlns:p14="http://schemas.microsoft.com/office/powerpoint/2010/main" val="3847453329"/>
+      </p:ext>
+    </p:extLst>
   </p:cSld>
   <p:clrMapOvr>
     <a:masterClrMapping/>
@@ -979,7 +1078,7 @@
 </file>
 
 <file path=ppt/slideLayouts/slideLayout3.xml><?xml version="1.0" encoding="utf-8"?>
-<p:sldLayout xmlns:a="http://schemas.openxmlformats.org/drawingml/2006/main" xmlns:r="http://schemas.openxmlformats.org/officeDocument/2006/relationships" xmlns:p="http://schemas.openxmlformats.org/presentationml/2006/main" showMasterSp="0" type="secHead" preserve="1">
+<p:sldLayout xmlns:a="http://schemas.openxmlformats.org/drawingml/2006/main" xmlns:r="http://schemas.openxmlformats.org/officeDocument/2006/relationships" xmlns:p="http://schemas.openxmlformats.org/presentationml/2006/main" type="secHead" preserve="1">
   <p:cSld name="Section Header">
     <p:spTree>
       <p:nvGrpSpPr>
@@ -1023,6 +1122,7 @@
               <a:rPr lang="en-US"/>
               <a:t>Click to edit Master title style</a:t>
             </a:r>
+            <a:endParaRPr lang="en-US" dirty="0"/>
           </a:p>
         </p:txBody>
       </p:sp>
@@ -1140,7 +1240,7 @@
             <a:pPr lvl="0"/>
             <a:r>
               <a:rPr lang="en-US"/>
-              <a:t>Click to edit Master text styles</a:t>
+              <a:t>Edit Master text styles</a:t>
             </a:r>
           </a:p>
         </p:txBody>
@@ -1163,7 +1263,7 @@
             <a:fld id="{B61BEF0D-F0BB-DE4B-95CE-6DB70DBA9567}" type="datetimeFigureOut">
               <a:rPr lang="en-US" smtClean="0"/>
               <a:pPr/>
-              <a:t>4/17/2019</a:t>
+              <a:t>4/24/2019</a:t>
             </a:fld>
             <a:endParaRPr lang="en-US" dirty="0"/>
           </a:p>
@@ -1214,7 +1314,13 @@
       </p:sp>
       <p:pic>
         <p:nvPicPr>
-          <p:cNvPr id="7" name="Picture 6"/>
+          <p:cNvPr id="7" name="Picture 6">
+            <a:extLst>
+              <a:ext uri="{FF2B5EF4-FFF2-40B4-BE49-F238E27FC236}">
+                <a16:creationId xmlns:a16="http://schemas.microsoft.com/office/drawing/2014/main" id="{248DBB9D-8BFF-6A42-8254-37C5C68831AA}"/>
+              </a:ext>
+            </a:extLst>
+          </p:cNvPr>
           <p:cNvPicPr>
             <a:picLocks noChangeAspect="1"/>
           </p:cNvPicPr>
@@ -1243,6 +1349,11 @@
         </p:spPr>
       </p:pic>
     </p:spTree>
+    <p:extLst>
+      <p:ext uri="{BB962C8B-B14F-4D97-AF65-F5344CB8AC3E}">
+        <p14:creationId xmlns:p14="http://schemas.microsoft.com/office/powerpoint/2010/main" val="1659073639"/>
+      </p:ext>
+    </p:extLst>
   </p:cSld>
   <p:clrMapOvr>
     <a:masterClrMapping/>
@@ -1286,6 +1397,7 @@
               <a:rPr lang="en-US"/>
               <a:t>Click to edit Master title style</a:t>
             </a:r>
+            <a:endParaRPr lang="en-US" dirty="0"/>
           </a:p>
         </p:txBody>
       </p:sp>
@@ -1312,7 +1424,7 @@
             <a:pPr lvl="0"/>
             <a:r>
               <a:rPr lang="en-US"/>
-              <a:t>Click to edit Master text styles</a:t>
+              <a:t>Edit Master text styles</a:t>
             </a:r>
           </a:p>
           <a:p>
@@ -1342,6 +1454,7 @@
               <a:rPr lang="en-US"/>
               <a:t>Fifth level</a:t>
             </a:r>
+            <a:endParaRPr lang="en-US" dirty="0"/>
           </a:p>
         </p:txBody>
       </p:sp>
@@ -1368,7 +1481,7 @@
             <a:pPr lvl="0"/>
             <a:r>
               <a:rPr lang="en-US"/>
-              <a:t>Click to edit Master text styles</a:t>
+              <a:t>Edit Master text styles</a:t>
             </a:r>
           </a:p>
           <a:p>
@@ -1398,6 +1511,7 @@
               <a:rPr lang="en-US"/>
               <a:t>Fifth level</a:t>
             </a:r>
+            <a:endParaRPr lang="en-US" dirty="0"/>
           </a:p>
         </p:txBody>
       </p:sp>
@@ -1419,7 +1533,7 @@
             <a:fld id="{B61BEF0D-F0BB-DE4B-95CE-6DB70DBA9567}" type="datetimeFigureOut">
               <a:rPr lang="en-US" smtClean="0"/>
               <a:pPr/>
-              <a:t>4/17/2019</a:t>
+              <a:t>4/24/2019</a:t>
             </a:fld>
             <a:endParaRPr lang="en-US" dirty="0"/>
           </a:p>
@@ -1469,6 +1583,11 @@
         </p:txBody>
       </p:sp>
     </p:spTree>
+    <p:extLst>
+      <p:ext uri="{BB962C8B-B14F-4D97-AF65-F5344CB8AC3E}">
+        <p14:creationId xmlns:p14="http://schemas.microsoft.com/office/powerpoint/2010/main" val="141211292"/>
+      </p:ext>
+    </p:extLst>
   </p:cSld>
   <p:clrMapOvr>
     <a:masterClrMapping/>
@@ -1517,6 +1636,7 @@
               <a:rPr lang="en-US"/>
               <a:t>Click to edit Master title style</a:t>
             </a:r>
+            <a:endParaRPr lang="en-US" dirty="0"/>
           </a:p>
         </p:txBody>
       </p:sp>
@@ -1580,7 +1700,7 @@
             <a:pPr lvl="0"/>
             <a:r>
               <a:rPr lang="en-US"/>
-              <a:t>Click to edit Master text styles</a:t>
+              <a:t>Edit Master text styles</a:t>
             </a:r>
           </a:p>
         </p:txBody>
@@ -1608,7 +1728,7 @@
             <a:pPr lvl="0"/>
             <a:r>
               <a:rPr lang="en-US"/>
-              <a:t>Click to edit Master text styles</a:t>
+              <a:t>Edit Master text styles</a:t>
             </a:r>
           </a:p>
           <a:p>
@@ -1638,6 +1758,7 @@
               <a:rPr lang="en-US"/>
               <a:t>Fifth level</a:t>
             </a:r>
+            <a:endParaRPr lang="en-US" dirty="0"/>
           </a:p>
         </p:txBody>
       </p:sp>
@@ -1701,7 +1822,7 @@
             <a:pPr lvl="0"/>
             <a:r>
               <a:rPr lang="en-US"/>
-              <a:t>Click to edit Master text styles</a:t>
+              <a:t>Edit Master text styles</a:t>
             </a:r>
           </a:p>
         </p:txBody>
@@ -1729,7 +1850,7 @@
             <a:pPr lvl="0"/>
             <a:r>
               <a:rPr lang="en-US"/>
-              <a:t>Click to edit Master text styles</a:t>
+              <a:t>Edit Master text styles</a:t>
             </a:r>
           </a:p>
           <a:p>
@@ -1759,6 +1880,7 @@
               <a:rPr lang="en-US"/>
               <a:t>Fifth level</a:t>
             </a:r>
+            <a:endParaRPr lang="en-US" dirty="0"/>
           </a:p>
         </p:txBody>
       </p:sp>
@@ -1780,7 +1902,7 @@
             <a:fld id="{B61BEF0D-F0BB-DE4B-95CE-6DB70DBA9567}" type="datetimeFigureOut">
               <a:rPr lang="en-US" smtClean="0"/>
               <a:pPr/>
-              <a:t>4/17/2019</a:t>
+              <a:t>4/24/2019</a:t>
             </a:fld>
             <a:endParaRPr lang="en-US" dirty="0"/>
           </a:p>
@@ -1830,6 +1952,11 @@
         </p:txBody>
       </p:sp>
     </p:spTree>
+    <p:extLst>
+      <p:ext uri="{BB962C8B-B14F-4D97-AF65-F5344CB8AC3E}">
+        <p14:creationId xmlns:p14="http://schemas.microsoft.com/office/powerpoint/2010/main" val="2028255138"/>
+      </p:ext>
+    </p:extLst>
   </p:cSld>
   <p:clrMapOvr>
     <a:masterClrMapping/>
@@ -1873,6 +2000,7 @@
               <a:rPr lang="en-US"/>
               <a:t>Click to edit Master title style</a:t>
             </a:r>
+            <a:endParaRPr lang="en-US" dirty="0"/>
           </a:p>
         </p:txBody>
       </p:sp>
@@ -1894,7 +2022,7 @@
             <a:fld id="{B61BEF0D-F0BB-DE4B-95CE-6DB70DBA9567}" type="datetimeFigureOut">
               <a:rPr lang="en-US" smtClean="0"/>
               <a:pPr/>
-              <a:t>4/17/2019</a:t>
+              <a:t>4/24/2019</a:t>
             </a:fld>
             <a:endParaRPr lang="en-US" dirty="0"/>
           </a:p>
@@ -1944,6 +2072,11 @@
         </p:txBody>
       </p:sp>
     </p:spTree>
+    <p:extLst>
+      <p:ext uri="{BB962C8B-B14F-4D97-AF65-F5344CB8AC3E}">
+        <p14:creationId xmlns:p14="http://schemas.microsoft.com/office/powerpoint/2010/main" val="1430622271"/>
+      </p:ext>
+    </p:extLst>
   </p:cSld>
   <p:clrMapOvr>
     <a:masterClrMapping/>
@@ -1952,7 +2085,7 @@
 </file>
 
 <file path=ppt/slideLayouts/slideLayout7.xml><?xml version="1.0" encoding="utf-8"?>
-<p:sldLayout xmlns:a="http://schemas.openxmlformats.org/drawingml/2006/main" xmlns:r="http://schemas.openxmlformats.org/officeDocument/2006/relationships" xmlns:p="http://schemas.openxmlformats.org/presentationml/2006/main" showMasterSp="0" type="blank" preserve="1">
+<p:sldLayout xmlns:a="http://schemas.openxmlformats.org/drawingml/2006/main" xmlns:r="http://schemas.openxmlformats.org/officeDocument/2006/relationships" xmlns:p="http://schemas.openxmlformats.org/presentationml/2006/main" type="blank" preserve="1">
   <p:cSld name="Blank">
     <p:spTree>
       <p:nvGrpSpPr>
@@ -1986,7 +2119,7 @@
             <a:fld id="{B61BEF0D-F0BB-DE4B-95CE-6DB70DBA9567}" type="datetimeFigureOut">
               <a:rPr lang="en-US" smtClean="0"/>
               <a:pPr/>
-              <a:t>4/17/2019</a:t>
+              <a:t>4/24/2019</a:t>
             </a:fld>
             <a:endParaRPr lang="en-US" dirty="0"/>
           </a:p>
@@ -2036,6 +2169,11 @@
         </p:txBody>
       </p:sp>
     </p:spTree>
+    <p:extLst>
+      <p:ext uri="{BB962C8B-B14F-4D97-AF65-F5344CB8AC3E}">
+        <p14:creationId xmlns:p14="http://schemas.microsoft.com/office/powerpoint/2010/main" val="3413859790"/>
+      </p:ext>
+    </p:extLst>
   </p:cSld>
   <p:clrMapOvr>
     <a:masterClrMapping/>
@@ -2088,6 +2226,7 @@
               <a:rPr lang="en-US"/>
               <a:t>Click to edit Master title style</a:t>
             </a:r>
+            <a:endParaRPr lang="en-US" dirty="0"/>
           </a:p>
         </p:txBody>
       </p:sp>
@@ -2142,7 +2281,7 @@
             <a:pPr lvl="0"/>
             <a:r>
               <a:rPr lang="en-US"/>
-              <a:t>Click to edit Master text styles</a:t>
+              <a:t>Edit Master text styles</a:t>
             </a:r>
           </a:p>
           <a:p>
@@ -2172,6 +2311,7 @@
               <a:rPr lang="en-US"/>
               <a:t>Fifth level</a:t>
             </a:r>
+            <a:endParaRPr lang="en-US" dirty="0"/>
           </a:p>
         </p:txBody>
       </p:sp>
@@ -2235,7 +2375,7 @@
             <a:pPr lvl="0"/>
             <a:r>
               <a:rPr lang="en-US"/>
-              <a:t>Click to edit Master text styles</a:t>
+              <a:t>Edit Master text styles</a:t>
             </a:r>
           </a:p>
         </p:txBody>
@@ -2258,7 +2398,7 @@
             <a:fld id="{B61BEF0D-F0BB-DE4B-95CE-6DB70DBA9567}" type="datetimeFigureOut">
               <a:rPr lang="en-US" smtClean="0"/>
               <a:pPr/>
-              <a:t>4/17/2019</a:t>
+              <a:t>4/24/2019</a:t>
             </a:fld>
             <a:endParaRPr lang="en-US" dirty="0"/>
           </a:p>
@@ -2308,6 +2448,11 @@
         </p:txBody>
       </p:sp>
     </p:spTree>
+    <p:extLst>
+      <p:ext uri="{BB962C8B-B14F-4D97-AF65-F5344CB8AC3E}">
+        <p14:creationId xmlns:p14="http://schemas.microsoft.com/office/powerpoint/2010/main" val="3378038634"/>
+      </p:ext>
+    </p:extLst>
   </p:cSld>
   <p:clrMapOvr>
     <a:masterClrMapping/>
@@ -2360,6 +2505,7 @@
               <a:rPr lang="en-US"/>
               <a:t>Click to edit Master title style</a:t>
             </a:r>
+            <a:endParaRPr lang="en-US" dirty="0"/>
           </a:p>
         </p:txBody>
       </p:sp>
@@ -2367,7 +2513,7 @@
         <p:nvSpPr>
           <p:cNvPr id="3" name="Picture Placeholder 2"/>
           <p:cNvSpPr>
-            <a:spLocks noGrp="1"/>
+            <a:spLocks noGrp="1" noChangeAspect="1"/>
           </p:cNvSpPr>
           <p:nvPr>
             <p:ph type="pic" idx="1"/>
@@ -2380,7 +2526,7 @@
           </a:xfrm>
         </p:spPr>
         <p:txBody>
-          <a:bodyPr/>
+          <a:bodyPr anchor="t"/>
           <a:lstStyle>
             <a:lvl1pPr marL="0" indent="0">
               <a:buNone/>
@@ -2420,7 +2566,11 @@
             </a:lvl9pPr>
           </a:lstStyle>
           <a:p>
-            <a:endParaRPr lang="en-US"/>
+            <a:r>
+              <a:rPr lang="en-US"/>
+              <a:t>Click icon to add picture</a:t>
+            </a:r>
+            <a:endParaRPr lang="en-US" dirty="0"/>
           </a:p>
         </p:txBody>
       </p:sp>
@@ -2484,7 +2634,7 @@
             <a:pPr lvl="0"/>
             <a:r>
               <a:rPr lang="en-US"/>
-              <a:t>Click to edit Master text styles</a:t>
+              <a:t>Edit Master text styles</a:t>
             </a:r>
           </a:p>
         </p:txBody>
@@ -2507,7 +2657,7 @@
             <a:fld id="{B61BEF0D-F0BB-DE4B-95CE-6DB70DBA9567}" type="datetimeFigureOut">
               <a:rPr lang="en-US" smtClean="0"/>
               <a:pPr/>
-              <a:t>4/17/2019</a:t>
+              <a:t>4/24/2019</a:t>
             </a:fld>
             <a:endParaRPr lang="en-US" dirty="0"/>
           </a:p>
@@ -2557,6 +2707,11 @@
         </p:txBody>
       </p:sp>
     </p:spTree>
+    <p:extLst>
+      <p:ext uri="{BB962C8B-B14F-4D97-AF65-F5344CB8AC3E}">
+        <p14:creationId xmlns:p14="http://schemas.microsoft.com/office/powerpoint/2010/main" val="2587965622"/>
+      </p:ext>
+    </p:extLst>
   </p:cSld>
   <p:clrMapOvr>
     <a:masterClrMapping/>
@@ -2615,6 +2770,7 @@
               <a:rPr lang="en-US"/>
               <a:t>Click to edit Master title style</a:t>
             </a:r>
+            <a:endParaRPr lang="en-US" dirty="0"/>
           </a:p>
         </p:txBody>
       </p:sp>
@@ -2646,7 +2802,7 @@
             <a:pPr lvl="0"/>
             <a:r>
               <a:rPr lang="en-US"/>
-              <a:t>Click to edit Master text styles</a:t>
+              <a:t>Edit Master text styles</a:t>
             </a:r>
           </a:p>
           <a:p>
@@ -2676,6 +2832,7 @@
               <a:rPr lang="en-US"/>
               <a:t>Fifth level</a:t>
             </a:r>
+            <a:endParaRPr lang="en-US" dirty="0"/>
           </a:p>
         </p:txBody>
       </p:sp>
@@ -2715,7 +2872,7 @@
             <a:fld id="{B61BEF0D-F0BB-DE4B-95CE-6DB70DBA9567}" type="datetimeFigureOut">
               <a:rPr lang="en-US" smtClean="0"/>
               <a:pPr/>
-              <a:t>4/17/2019</a:t>
+              <a:t>4/24/2019</a:t>
             </a:fld>
             <a:endParaRPr lang="en-US" dirty="0"/>
           </a:p>
@@ -2802,7 +2959,13 @@
       </p:sp>
       <p:pic>
         <p:nvPicPr>
-          <p:cNvPr id="10" name="Picture 9"/>
+          <p:cNvPr id="7" name="Picture 6">
+            <a:extLst>
+              <a:ext uri="{FF2B5EF4-FFF2-40B4-BE49-F238E27FC236}">
+                <a16:creationId xmlns:a16="http://schemas.microsoft.com/office/drawing/2014/main" id="{40B1B3E7-66E1-E940-8AF2-DB859B708552}"/>
+              </a:ext>
+            </a:extLst>
+          </p:cNvPr>
           <p:cNvPicPr>
             <a:picLocks noChangeAspect="1"/>
           </p:cNvPicPr>
@@ -2834,24 +2997,24 @@
     </p:spTree>
     <p:extLst>
       <p:ext uri="{BB962C8B-B14F-4D97-AF65-F5344CB8AC3E}">
-        <p14:creationId xmlns:p14="http://schemas.microsoft.com/office/powerpoint/2010/main" val="79647496"/>
+        <p14:creationId xmlns:p14="http://schemas.microsoft.com/office/powerpoint/2010/main" val="1957259900"/>
       </p:ext>
     </p:extLst>
   </p:cSld>
   <p:clrMap bg1="lt1" tx1="dk1" bg2="lt2" tx2="dk2" accent1="accent1" accent2="accent2" accent3="accent3" accent4="accent4" accent5="accent5" accent6="accent6" hlink="hlink" folHlink="folHlink"/>
   <p:sldLayoutIdLst>
-    <p:sldLayoutId id="2147483669" r:id="rId1"/>
-    <p:sldLayoutId id="2147483670" r:id="rId2"/>
-    <p:sldLayoutId id="2147483671" r:id="rId3"/>
-    <p:sldLayoutId id="2147483672" r:id="rId4"/>
-    <p:sldLayoutId id="2147483673" r:id="rId5"/>
-    <p:sldLayoutId id="2147483674" r:id="rId6"/>
-    <p:sldLayoutId id="2147483675" r:id="rId7"/>
-    <p:sldLayoutId id="2147483676" r:id="rId8"/>
-    <p:sldLayoutId id="2147483677" r:id="rId9"/>
-    <p:sldLayoutId id="2147483678" r:id="rId10"/>
-    <p:sldLayoutId id="2147483679" r:id="rId11"/>
-    <p:sldLayoutId id="2147483680" r:id="rId12"/>
+    <p:sldLayoutId id="2147483697" r:id="rId1"/>
+    <p:sldLayoutId id="2147483698" r:id="rId2"/>
+    <p:sldLayoutId id="2147483699" r:id="rId3"/>
+    <p:sldLayoutId id="2147483700" r:id="rId4"/>
+    <p:sldLayoutId id="2147483701" r:id="rId5"/>
+    <p:sldLayoutId id="2147483702" r:id="rId6"/>
+    <p:sldLayoutId id="2147483703" r:id="rId7"/>
+    <p:sldLayoutId id="2147483704" r:id="rId8"/>
+    <p:sldLayoutId id="2147483705" r:id="rId9"/>
+    <p:sldLayoutId id="2147483706" r:id="rId10"/>
+    <p:sldLayoutId id="2147483707" r:id="rId11"/>
+    <p:sldLayoutId id="2147483710" r:id="rId12"/>
   </p:sldLayoutIdLst>
   <p:txStyles>
     <p:titleStyle>
@@ -2881,7 +3044,7 @@
         <a:spcBef>
           <a:spcPts val="1000"/>
         </a:spcBef>
-        <a:buFont typeface="Arial"/>
+        <a:buFont typeface="Arial" panose="020B0604020202020204" pitchFamily="34" charset="0"/>
         <a:buChar char="•"/>
         <a:defRPr sz="2800" kern="1200">
           <a:solidFill>
@@ -2899,7 +3062,7 @@
         <a:spcBef>
           <a:spcPts val="500"/>
         </a:spcBef>
-        <a:buFont typeface="Arial"/>
+        <a:buFont typeface="Arial" panose="020B0604020202020204" pitchFamily="34" charset="0"/>
         <a:buChar char="•"/>
         <a:defRPr sz="2400" kern="1200">
           <a:solidFill>
@@ -2917,7 +3080,7 @@
         <a:spcBef>
           <a:spcPts val="500"/>
         </a:spcBef>
-        <a:buFont typeface="Arial"/>
+        <a:buFont typeface="Arial" panose="020B0604020202020204" pitchFamily="34" charset="0"/>
         <a:buChar char="•"/>
         <a:defRPr sz="2000" kern="1200">
           <a:solidFill>
@@ -2935,7 +3098,7 @@
         <a:spcBef>
           <a:spcPts val="500"/>
         </a:spcBef>
-        <a:buFont typeface="Arial"/>
+        <a:buFont typeface="Arial" panose="020B0604020202020204" pitchFamily="34" charset="0"/>
         <a:buChar char="•"/>
         <a:defRPr sz="1800" kern="1200">
           <a:solidFill>
@@ -2953,7 +3116,7 @@
         <a:spcBef>
           <a:spcPts val="500"/>
         </a:spcBef>
-        <a:buFont typeface="Arial"/>
+        <a:buFont typeface="Arial" panose="020B0604020202020204" pitchFamily="34" charset="0"/>
         <a:buChar char="•"/>
         <a:defRPr sz="1800" kern="1200">
           <a:solidFill>
@@ -2971,7 +3134,7 @@
         <a:spcBef>
           <a:spcPts val="500"/>
         </a:spcBef>
-        <a:buFont typeface="Arial"/>
+        <a:buFont typeface="Arial" panose="020B0604020202020204" pitchFamily="34" charset="0"/>
         <a:buChar char="•"/>
         <a:defRPr sz="1800" kern="1200">
           <a:solidFill>
@@ -2989,7 +3152,7 @@
         <a:spcBef>
           <a:spcPts val="500"/>
         </a:spcBef>
-        <a:buFont typeface="Arial"/>
+        <a:buFont typeface="Arial" panose="020B0604020202020204" pitchFamily="34" charset="0"/>
         <a:buChar char="•"/>
         <a:defRPr sz="1800" kern="1200">
           <a:solidFill>
@@ -3007,7 +3170,7 @@
         <a:spcBef>
           <a:spcPts val="500"/>
         </a:spcBef>
-        <a:buFont typeface="Arial"/>
+        <a:buFont typeface="Arial" panose="020B0604020202020204" pitchFamily="34" charset="0"/>
         <a:buChar char="•"/>
         <a:defRPr sz="1800" kern="1200">
           <a:solidFill>
@@ -3025,7 +3188,7 @@
         <a:spcBef>
           <a:spcPts val="500"/>
         </a:spcBef>
-        <a:buFont typeface="Arial"/>
+        <a:buFont typeface="Arial" panose="020B0604020202020204" pitchFamily="34" charset="0"/>
         <a:buChar char="•"/>
         <a:defRPr sz="1800" kern="1200">
           <a:solidFill>
@@ -3185,11 +3348,7 @@
           </p:cNvGraphicFramePr>
           <p:nvPr>
             <p:ph idx="1"/>
-            <p:extLst>
-              <p:ext uri="{D42A27DB-BD31-4B8C-83A1-F6EECF244321}">
-                <p14:modId xmlns:p14="http://schemas.microsoft.com/office/powerpoint/2010/main" val="3039531878"/>
-              </p:ext>
-            </p:extLst>
+            <p:extLst/>
           </p:nvPr>
         </p:nvGraphicFramePr>
         <p:xfrm>
@@ -4174,7 +4333,7 @@
     </p:spTree>
     <p:extLst>
       <p:ext uri="{BB962C8B-B14F-4D97-AF65-F5344CB8AC3E}">
-        <p14:creationId xmlns:p14="http://schemas.microsoft.com/office/powerpoint/2010/main" val="1395672429"/>
+        <p14:creationId xmlns:p14="http://schemas.microsoft.com/office/powerpoint/2010/main" val="1402558591"/>
       </p:ext>
     </p:extLst>
   </p:cSld>
@@ -4217,7 +4376,7 @@
 <file path=ppt/theme/theme1.xml><?xml version="1.0" encoding="utf-8"?>
 <a:theme xmlns:a="http://schemas.openxmlformats.org/drawingml/2006/main" name="Office Theme">
   <a:themeElements>
-    <a:clrScheme name="Office">
+    <a:clrScheme name="Office Theme">
       <a:dk1>
         <a:sysClr val="windowText" lastClr="000000"/>
       </a:dk1>
@@ -4255,14 +4414,14 @@
         <a:srgbClr val="954F72"/>
       </a:folHlink>
     </a:clrScheme>
-    <a:fontScheme name="Office">
+    <a:fontScheme name="Office Theme">
       <a:majorFont>
         <a:latin typeface="Calibri Light" panose="020F0302020204030204"/>
         <a:ea typeface=""/>
         <a:cs typeface=""/>
-        <a:font script="Jpan" typeface="Yu Gothic Light"/>
+        <a:font script="Jpan" typeface="游ゴシック Light"/>
         <a:font script="Hang" typeface="맑은 고딕"/>
-        <a:font script="Hans" typeface="DengXian Light"/>
+        <a:font script="Hans" typeface="等线 Light"/>
         <a:font script="Hant" typeface="新細明體"/>
         <a:font script="Arab" typeface="Times New Roman"/>
         <a:font script="Hebr" typeface="Times New Roman"/>
@@ -4295,9 +4454,9 @@
         <a:latin typeface="Calibri" panose="020F0502020204030204"/>
         <a:ea typeface=""/>
         <a:cs typeface=""/>
-        <a:font script="Jpan" typeface="Yu Gothic"/>
+        <a:font script="Jpan" typeface="游ゴシック"/>
         <a:font script="Hang" typeface="맑은 고딕"/>
-        <a:font script="Hans" typeface="DengXian"/>
+        <a:font script="Hans" typeface="等线"/>
         <a:font script="Hant" typeface="新細明體"/>
         <a:font script="Arab" typeface="Arial"/>
         <a:font script="Hebr" typeface="Arial"/>
@@ -4327,7 +4486,7 @@
         <a:font script="Geor" typeface="Sylfaen"/>
       </a:minorFont>
     </a:fontScheme>
-    <a:fmtScheme name="Office">
+    <a:fmtScheme name="Office Theme">
       <a:fillStyleLst>
         <a:solidFill>
           <a:schemeClr val="phClr"/>
